--- a/files/diagram.pptx
+++ b/files/diagram.pptx
@@ -262,7 +262,7 @@
           <a:p>
             <a:fld id="{4B9D01B0-F7EF-4405-9876-27A99C269B96}" type="datetimeFigureOut">
               <a:rPr lang="en-GB" smtClean="0"/>
-              <a:t>28/04/2020</a:t>
+              <a:t>04/05/2020</a:t>
             </a:fld>
             <a:endParaRPr lang="en-GB"/>
           </a:p>
@@ -462,7 +462,7 @@
           <a:p>
             <a:fld id="{4B9D01B0-F7EF-4405-9876-27A99C269B96}" type="datetimeFigureOut">
               <a:rPr lang="en-GB" smtClean="0"/>
-              <a:t>28/04/2020</a:t>
+              <a:t>04/05/2020</a:t>
             </a:fld>
             <a:endParaRPr lang="en-GB"/>
           </a:p>
@@ -672,7 +672,7 @@
           <a:p>
             <a:fld id="{4B9D01B0-F7EF-4405-9876-27A99C269B96}" type="datetimeFigureOut">
               <a:rPr lang="en-GB" smtClean="0"/>
-              <a:t>28/04/2020</a:t>
+              <a:t>04/05/2020</a:t>
             </a:fld>
             <a:endParaRPr lang="en-GB"/>
           </a:p>
@@ -872,7 +872,7 @@
           <a:p>
             <a:fld id="{4B9D01B0-F7EF-4405-9876-27A99C269B96}" type="datetimeFigureOut">
               <a:rPr lang="en-GB" smtClean="0"/>
-              <a:t>28/04/2020</a:t>
+              <a:t>04/05/2020</a:t>
             </a:fld>
             <a:endParaRPr lang="en-GB"/>
           </a:p>
@@ -1148,7 +1148,7 @@
           <a:p>
             <a:fld id="{4B9D01B0-F7EF-4405-9876-27A99C269B96}" type="datetimeFigureOut">
               <a:rPr lang="en-GB" smtClean="0"/>
-              <a:t>28/04/2020</a:t>
+              <a:t>04/05/2020</a:t>
             </a:fld>
             <a:endParaRPr lang="en-GB"/>
           </a:p>
@@ -1416,7 +1416,7 @@
           <a:p>
             <a:fld id="{4B9D01B0-F7EF-4405-9876-27A99C269B96}" type="datetimeFigureOut">
               <a:rPr lang="en-GB" smtClean="0"/>
-              <a:t>28/04/2020</a:t>
+              <a:t>04/05/2020</a:t>
             </a:fld>
             <a:endParaRPr lang="en-GB"/>
           </a:p>
@@ -1831,7 +1831,7 @@
           <a:p>
             <a:fld id="{4B9D01B0-F7EF-4405-9876-27A99C269B96}" type="datetimeFigureOut">
               <a:rPr lang="en-GB" smtClean="0"/>
-              <a:t>28/04/2020</a:t>
+              <a:t>04/05/2020</a:t>
             </a:fld>
             <a:endParaRPr lang="en-GB"/>
           </a:p>
@@ -1973,7 +1973,7 @@
           <a:p>
             <a:fld id="{4B9D01B0-F7EF-4405-9876-27A99C269B96}" type="datetimeFigureOut">
               <a:rPr lang="en-GB" smtClean="0"/>
-              <a:t>28/04/2020</a:t>
+              <a:t>04/05/2020</a:t>
             </a:fld>
             <a:endParaRPr lang="en-GB"/>
           </a:p>
@@ -2086,7 +2086,7 @@
           <a:p>
             <a:fld id="{4B9D01B0-F7EF-4405-9876-27A99C269B96}" type="datetimeFigureOut">
               <a:rPr lang="en-GB" smtClean="0"/>
-              <a:t>28/04/2020</a:t>
+              <a:t>04/05/2020</a:t>
             </a:fld>
             <a:endParaRPr lang="en-GB"/>
           </a:p>
@@ -2399,7 +2399,7 @@
           <a:p>
             <a:fld id="{4B9D01B0-F7EF-4405-9876-27A99C269B96}" type="datetimeFigureOut">
               <a:rPr lang="en-GB" smtClean="0"/>
-              <a:t>28/04/2020</a:t>
+              <a:t>04/05/2020</a:t>
             </a:fld>
             <a:endParaRPr lang="en-GB"/>
           </a:p>
@@ -2688,7 +2688,7 @@
           <a:p>
             <a:fld id="{4B9D01B0-F7EF-4405-9876-27A99C269B96}" type="datetimeFigureOut">
               <a:rPr lang="en-GB" smtClean="0"/>
-              <a:t>28/04/2020</a:t>
+              <a:t>04/05/2020</a:t>
             </a:fld>
             <a:endParaRPr lang="en-GB"/>
           </a:p>
@@ -2931,7 +2931,7 @@
           <a:p>
             <a:fld id="{4B9D01B0-F7EF-4405-9876-27A99C269B96}" type="datetimeFigureOut">
               <a:rPr lang="en-GB" smtClean="0"/>
-              <a:t>28/04/2020</a:t>
+              <a:t>04/05/2020</a:t>
             </a:fld>
             <a:endParaRPr lang="en-GB"/>
           </a:p>
@@ -3863,7 +3863,7 @@
             <a:pPr algn="ctr"/>
             <a:r>
               <a:rPr lang="en-US" sz="1400" dirty="0"/>
-              <a:t>Event Grid</a:t>
+              <a:t>Event Hub</a:t>
             </a:r>
             <a:endParaRPr lang="en-GB" sz="1400" dirty="0"/>
           </a:p>
@@ -4764,7 +4764,7 @@
             <a:pPr algn="ctr"/>
             <a:r>
               <a:rPr lang="en-US" sz="1400" dirty="0"/>
-              <a:t>Event Grid</a:t>
+              <a:t>Event Hub</a:t>
             </a:r>
             <a:endParaRPr lang="en-GB" sz="1400" dirty="0"/>
           </a:p>
